--- a/Semana 1/Semana 1A - Intro Android.pptx
+++ b/Semana 1/Semana 1A - Intro Android.pptx
@@ -1655,7 +1655,7 @@
           <a:p>
             <a:fld id="{7F8E3347-EFDA-483A-9E95-BDA4F3B6010F}" type="datetimeFigureOut">
               <a:rPr lang="en-US" smtClean="0"/>
-              <a:t>2/1/21</a:t>
+              <a:t>2/2/21</a:t>
             </a:fld>
             <a:endParaRPr lang="en-US"/>
           </a:p>
@@ -1881,7 +1881,7 @@
           <a:p>
             <a:fld id="{7F8E3347-EFDA-483A-9E95-BDA4F3B6010F}" type="datetimeFigureOut">
               <a:rPr lang="en-US" smtClean="0"/>
-              <a:t>2/1/21</a:t>
+              <a:t>2/2/21</a:t>
             </a:fld>
             <a:endParaRPr lang="en-US"/>
           </a:p>
@@ -2155,7 +2155,7 @@
           <a:p>
             <a:fld id="{7F8E3347-EFDA-483A-9E95-BDA4F3B6010F}" type="datetimeFigureOut">
               <a:rPr lang="en-US" smtClean="0"/>
-              <a:t>2/1/21</a:t>
+              <a:t>2/2/21</a:t>
             </a:fld>
             <a:endParaRPr lang="en-US"/>
           </a:p>
@@ -2669,7 +2669,7 @@
           <a:p>
             <a:fld id="{7F8E3347-EFDA-483A-9E95-BDA4F3B6010F}" type="datetimeFigureOut">
               <a:rPr lang="en-US" smtClean="0"/>
-              <a:t>2/1/21</a:t>
+              <a:t>2/2/21</a:t>
             </a:fld>
             <a:endParaRPr lang="en-US"/>
           </a:p>
@@ -3022,7 +3022,7 @@
           <a:p>
             <a:fld id="{7F8E3347-EFDA-483A-9E95-BDA4F3B6010F}" type="datetimeFigureOut">
               <a:rPr lang="en-US" smtClean="0"/>
-              <a:t>2/1/21</a:t>
+              <a:t>2/2/21</a:t>
             </a:fld>
             <a:endParaRPr lang="en-US"/>
           </a:p>
@@ -3315,7 +3315,7 @@
           <a:p>
             <a:fld id="{7F8E3347-EFDA-483A-9E95-BDA4F3B6010F}" type="datetimeFigureOut">
               <a:rPr lang="en-US" smtClean="0"/>
-              <a:t>2/1/21</a:t>
+              <a:t>2/2/21</a:t>
             </a:fld>
             <a:endParaRPr lang="en-US"/>
           </a:p>
@@ -3712,7 +3712,7 @@
           <a:p>
             <a:fld id="{7F8E3347-EFDA-483A-9E95-BDA4F3B6010F}" type="datetimeFigureOut">
               <a:rPr lang="en-US" smtClean="0"/>
-              <a:t>2/1/21</a:t>
+              <a:t>2/2/21</a:t>
             </a:fld>
             <a:endParaRPr lang="en-US"/>
           </a:p>
@@ -3848,7 +3848,7 @@
           <a:p>
             <a:fld id="{7F8E3347-EFDA-483A-9E95-BDA4F3B6010F}" type="datetimeFigureOut">
               <a:rPr lang="en-US" smtClean="0"/>
-              <a:t>2/1/21</a:t>
+              <a:t>2/2/21</a:t>
             </a:fld>
             <a:endParaRPr lang="en-US"/>
           </a:p>
@@ -4037,7 +4037,7 @@
           <a:p>
             <a:fld id="{7F8E3347-EFDA-483A-9E95-BDA4F3B6010F}" type="datetimeFigureOut">
               <a:rPr lang="en-US" smtClean="0"/>
-              <a:t>2/1/21</a:t>
+              <a:t>2/2/21</a:t>
             </a:fld>
             <a:endParaRPr lang="en-US"/>
           </a:p>
@@ -4409,7 +4409,7 @@
           <a:p>
             <a:fld id="{7F8E3347-EFDA-483A-9E95-BDA4F3B6010F}" type="datetimeFigureOut">
               <a:rPr lang="en-US" smtClean="0"/>
-              <a:t>2/1/21</a:t>
+              <a:t>2/2/21</a:t>
             </a:fld>
             <a:endParaRPr lang="en-US"/>
           </a:p>
@@ -4804,7 +4804,7 @@
           <a:p>
             <a:fld id="{7F8E3347-EFDA-483A-9E95-BDA4F3B6010F}" type="datetimeFigureOut">
               <a:rPr lang="en-US" smtClean="0"/>
-              <a:t>2/1/21</a:t>
+              <a:t>2/2/21</a:t>
             </a:fld>
             <a:endParaRPr lang="en-US"/>
           </a:p>
@@ -5109,7 +5109,7 @@
           <a:p>
             <a:fld id="{7F8E3347-EFDA-483A-9E95-BDA4F3B6010F}" type="datetimeFigureOut">
               <a:rPr lang="en-US" smtClean="0"/>
-              <a:t>2/1/21</a:t>
+              <a:t>2/2/21</a:t>
             </a:fld>
             <a:endParaRPr lang="en-US"/>
           </a:p>
@@ -6548,7 +6548,23 @@
                   <a:schemeClr val="bg1"/>
                 </a:solidFill>
               </a:rPr>
-              <a:t>Problema</a:t>
+              <a:t>Análisis</a:t>
+            </a:r>
+            <a:r>
+              <a:rPr lang="en-US" dirty="0">
+                <a:solidFill>
+                  <a:schemeClr val="bg1"/>
+                </a:solidFill>
+              </a:rPr>
+              <a:t> de </a:t>
+            </a:r>
+            <a:r>
+              <a:rPr lang="en-US" dirty="0" err="1">
+                <a:solidFill>
+                  <a:schemeClr val="bg1"/>
+                </a:solidFill>
+              </a:rPr>
+              <a:t>problemas</a:t>
             </a:r>
             <a:endParaRPr lang="en-US" dirty="0">
               <a:solidFill>
@@ -6606,7 +6622,39 @@
                   <a:schemeClr val="bg1"/>
                 </a:solidFill>
               </a:rPr>
-              <a:t>Análisis</a:t>
+              <a:t>Ejercicios</a:t>
+            </a:r>
+            <a:r>
+              <a:rPr lang="en-US" dirty="0">
+                <a:solidFill>
+                  <a:schemeClr val="bg1"/>
+                </a:solidFill>
+              </a:rPr>
+              <a:t> </a:t>
+            </a:r>
+            <a:r>
+              <a:rPr lang="en-US" dirty="0" err="1">
+                <a:solidFill>
+                  <a:schemeClr val="bg1"/>
+                </a:solidFill>
+              </a:rPr>
+              <a:t>en</a:t>
+            </a:r>
+            <a:r>
+              <a:rPr lang="en-US" dirty="0">
+                <a:solidFill>
+                  <a:schemeClr val="bg1"/>
+                </a:solidFill>
+              </a:rPr>
+              <a:t> </a:t>
+            </a:r>
+            <a:r>
+              <a:rPr lang="en-US">
+                <a:solidFill>
+                  <a:schemeClr val="bg1"/>
+                </a:solidFill>
+              </a:rPr>
+              <a:t>clase</a:t>
             </a:r>
             <a:endParaRPr lang="en-US" dirty="0">
               <a:solidFill>
